--- a/web/第七組.pptx
+++ b/web/第七組.pptx
@@ -5,7 +5,7 @@
     <p:sldMasterId id="2147483964" r:id="rId1"/>
   </p:sldMasterIdLst>
   <p:notesMasterIdLst>
-    <p:notesMasterId r:id="rId33"/>
+    <p:notesMasterId r:id="rId34"/>
   </p:notesMasterIdLst>
   <p:sldIdLst>
     <p:sldId id="256" r:id="rId2"/>
@@ -39,6 +39,7 @@
     <p:sldId id="318" r:id="rId30"/>
     <p:sldId id="299" r:id="rId31"/>
     <p:sldId id="300" r:id="rId32"/>
+    <p:sldId id="320" r:id="rId33"/>
   </p:sldIdLst>
   <p:sldSz cx="12192000" cy="6858000"/>
   <p:notesSz cx="6858000" cy="9144000"/>
@@ -4915,7 +4916,7 @@
           <a:p>
             <a:fld id="{00DB09CF-6506-43A9-8B1C-C3E760E19DCA}" type="datetimeFigureOut">
               <a:rPr lang="zh-TW" altLang="en-US" smtClean="0"/>
-              <a:t>2016/6/22</a:t>
+              <a:t>2016/6/28</a:t>
             </a:fld>
             <a:endParaRPr lang="zh-TW" altLang="en-US"/>
           </a:p>
@@ -10056,7 +10057,7 @@
           <a:p>
             <a:fld id="{96DFF08F-DC6B-4601-B491-B0F83F6DD2DA}" type="datetimeFigureOut">
               <a:rPr lang="en-US" smtClean="0"/>
-              <a:t>6/22/2016</a:t>
+              <a:t>6/28/2016</a:t>
             </a:fld>
             <a:endParaRPr lang="en-US" dirty="0"/>
           </a:p>
@@ -10324,7 +10325,7 @@
             <a:fld id="{96DFF08F-DC6B-4601-B491-B0F83F6DD2DA}" type="datetimeFigureOut">
               <a:rPr lang="en-US" smtClean="0"/>
               <a:pPr/>
-              <a:t>6/22/2016</a:t>
+              <a:t>6/28/2016</a:t>
             </a:fld>
             <a:endParaRPr lang="en-US" dirty="0"/>
           </a:p>
@@ -10522,7 +10523,7 @@
             <a:fld id="{96DFF08F-DC6B-4601-B491-B0F83F6DD2DA}" type="datetimeFigureOut">
               <a:rPr lang="en-US" smtClean="0"/>
               <a:pPr/>
-              <a:t>6/22/2016</a:t>
+              <a:t>6/28/2016</a:t>
             </a:fld>
             <a:endParaRPr lang="en-US" dirty="0"/>
           </a:p>
@@ -10787,7 +10788,7 @@
             <a:fld id="{96DFF08F-DC6B-4601-B491-B0F83F6DD2DA}" type="datetimeFigureOut">
               <a:rPr lang="en-US" smtClean="0"/>
               <a:pPr/>
-              <a:t>6/22/2016</a:t>
+              <a:t>6/28/2016</a:t>
             </a:fld>
             <a:endParaRPr lang="en-US" dirty="0"/>
           </a:p>
@@ -11223,7 +11224,7 @@
             <a:fld id="{96DFF08F-DC6B-4601-B491-B0F83F6DD2DA}" type="datetimeFigureOut">
               <a:rPr lang="en-US" smtClean="0"/>
               <a:pPr/>
-              <a:t>6/22/2016</a:t>
+              <a:t>6/28/2016</a:t>
             </a:fld>
             <a:endParaRPr lang="en-US" dirty="0"/>
           </a:p>
@@ -11771,7 +11772,7 @@
             <a:fld id="{96DFF08F-DC6B-4601-B491-B0F83F6DD2DA}" type="datetimeFigureOut">
               <a:rPr lang="en-US" smtClean="0"/>
               <a:pPr/>
-              <a:t>6/22/2016</a:t>
+              <a:t>6/28/2016</a:t>
             </a:fld>
             <a:endParaRPr lang="en-US" dirty="0"/>
           </a:p>
@@ -12493,7 +12494,7 @@
             <a:fld id="{96DFF08F-DC6B-4601-B491-B0F83F6DD2DA}" type="datetimeFigureOut">
               <a:rPr lang="en-US" smtClean="0"/>
               <a:pPr/>
-              <a:t>6/22/2016</a:t>
+              <a:t>6/28/2016</a:t>
             </a:fld>
             <a:endParaRPr lang="en-US" dirty="0"/>
           </a:p>
@@ -12664,7 +12665,7 @@
           <a:p>
             <a:fld id="{96DFF08F-DC6B-4601-B491-B0F83F6DD2DA}" type="datetimeFigureOut">
               <a:rPr lang="en-US" smtClean="0"/>
-              <a:t>6/22/2016</a:t>
+              <a:t>6/28/2016</a:t>
             </a:fld>
             <a:endParaRPr lang="en-US" dirty="0"/>
           </a:p>
@@ -12844,7 +12845,7 @@
           <a:p>
             <a:fld id="{96DFF08F-DC6B-4601-B491-B0F83F6DD2DA}" type="datetimeFigureOut">
               <a:rPr lang="en-US" smtClean="0"/>
-              <a:t>6/22/2016</a:t>
+              <a:t>6/28/2016</a:t>
             </a:fld>
             <a:endParaRPr lang="en-US" dirty="0"/>
           </a:p>
@@ -13014,7 +13015,7 @@
           <a:p>
             <a:fld id="{96DFF08F-DC6B-4601-B491-B0F83F6DD2DA}" type="datetimeFigureOut">
               <a:rPr lang="en-US" smtClean="0"/>
-              <a:t>6/22/2016</a:t>
+              <a:t>6/28/2016</a:t>
             </a:fld>
             <a:endParaRPr lang="en-US" dirty="0"/>
           </a:p>
@@ -13265,7 +13266,7 @@
             <a:fld id="{96DFF08F-DC6B-4601-B491-B0F83F6DD2DA}" type="datetimeFigureOut">
               <a:rPr lang="en-US" smtClean="0"/>
               <a:pPr/>
-              <a:t>6/22/2016</a:t>
+              <a:t>6/28/2016</a:t>
             </a:fld>
             <a:endParaRPr lang="en-US" dirty="0"/>
           </a:p>
@@ -13498,7 +13499,7 @@
           <a:p>
             <a:fld id="{96DFF08F-DC6B-4601-B491-B0F83F6DD2DA}" type="datetimeFigureOut">
               <a:rPr lang="en-US" smtClean="0"/>
-              <a:t>6/22/2016</a:t>
+              <a:t>6/28/2016</a:t>
             </a:fld>
             <a:endParaRPr lang="en-US" dirty="0"/>
           </a:p>
@@ -13879,7 +13880,7 @@
           <a:p>
             <a:fld id="{96DFF08F-DC6B-4601-B491-B0F83F6DD2DA}" type="datetimeFigureOut">
               <a:rPr lang="en-US" smtClean="0"/>
-              <a:t>6/22/2016</a:t>
+              <a:t>6/28/2016</a:t>
             </a:fld>
             <a:endParaRPr lang="en-US" dirty="0"/>
           </a:p>
@@ -13997,7 +13998,7 @@
           <a:p>
             <a:fld id="{96DFF08F-DC6B-4601-B491-B0F83F6DD2DA}" type="datetimeFigureOut">
               <a:rPr lang="en-US" smtClean="0"/>
-              <a:t>6/22/2016</a:t>
+              <a:t>6/28/2016</a:t>
             </a:fld>
             <a:endParaRPr lang="en-US" dirty="0"/>
           </a:p>
@@ -14092,7 +14093,7 @@
           <a:p>
             <a:fld id="{96DFF08F-DC6B-4601-B491-B0F83F6DD2DA}" type="datetimeFigureOut">
               <a:rPr lang="en-US" smtClean="0"/>
-              <a:t>6/22/2016</a:t>
+              <a:t>6/28/2016</a:t>
             </a:fld>
             <a:endParaRPr lang="en-US" dirty="0"/>
           </a:p>
@@ -14341,7 +14342,7 @@
           <a:p>
             <a:fld id="{96DFF08F-DC6B-4601-B491-B0F83F6DD2DA}" type="datetimeFigureOut">
               <a:rPr lang="en-US" smtClean="0"/>
-              <a:t>6/22/2016</a:t>
+              <a:t>6/28/2016</a:t>
             </a:fld>
             <a:endParaRPr lang="en-US" dirty="0"/>
           </a:p>
@@ -14621,7 +14622,7 @@
           <a:p>
             <a:fld id="{96DFF08F-DC6B-4601-B491-B0F83F6DD2DA}" type="datetimeFigureOut">
               <a:rPr lang="en-US" smtClean="0"/>
-              <a:t>6/22/2016</a:t>
+              <a:t>6/28/2016</a:t>
             </a:fld>
             <a:endParaRPr lang="en-US" dirty="0"/>
           </a:p>
@@ -17689,7 +17690,7 @@
             <a:fld id="{96DFF08F-DC6B-4601-B491-B0F83F6DD2DA}" type="datetimeFigureOut">
               <a:rPr lang="en-US" smtClean="0"/>
               <a:pPr/>
-              <a:t>6/22/2016</a:t>
+              <a:t>6/28/2016</a:t>
             </a:fld>
             <a:endParaRPr lang="en-US" dirty="0"/>
           </a:p>
@@ -25685,6 +25686,27 @@
               </a:rPr>
               <a:t> 活動關係分析</a:t>
             </a:r>
+            <a:r>
+              <a:rPr lang="en-US" altLang="zh-TW" sz="3000" dirty="0" smtClean="0">
+                <a:latin typeface="微軟正黑體" panose="020B0604030504040204" pitchFamily="34" charset="-120"/>
+                <a:ea typeface="微軟正黑體" panose="020B0604030504040204" pitchFamily="34" charset="-120"/>
+              </a:rPr>
+              <a:t>(</a:t>
+            </a:r>
+            <a:r>
+              <a:rPr lang="zh-TW" altLang="en-US" sz="3000" dirty="0" smtClean="0">
+                <a:latin typeface="微軟正黑體" panose="020B0604030504040204" pitchFamily="34" charset="-120"/>
+                <a:ea typeface="微軟正黑體" panose="020B0604030504040204" pitchFamily="34" charset="-120"/>
+              </a:rPr>
+              <a:t>潛在朋友</a:t>
+            </a:r>
+            <a:r>
+              <a:rPr lang="en-US" altLang="zh-TW" sz="3000" dirty="0" smtClean="0">
+                <a:latin typeface="微軟正黑體" panose="020B0604030504040204" pitchFamily="34" charset="-120"/>
+                <a:ea typeface="微軟正黑體" panose="020B0604030504040204" pitchFamily="34" charset="-120"/>
+              </a:rPr>
+              <a:t>)</a:t>
+            </a:r>
             <a:endParaRPr lang="zh-TW" altLang="en-US" sz="3000" dirty="0">
               <a:latin typeface="微軟正黑體" panose="020B0604030504040204" pitchFamily="34" charset="-120"/>
               <a:ea typeface="微軟正黑體" panose="020B0604030504040204" pitchFamily="34" charset="-120"/>
@@ -25894,28 +25916,22 @@
       </p:sp>
       <p:pic>
         <p:nvPicPr>
-          <p:cNvPr id="2" name="圖片 1"/>
+          <p:cNvPr id="5" name="圖片 4"/>
           <p:cNvPicPr>
             <a:picLocks noChangeAspect="1"/>
           </p:cNvPicPr>
           <p:nvPr/>
         </p:nvPicPr>
         <p:blipFill>
-          <a:blip r:embed="rId2">
-            <a:extLst>
-              <a:ext uri="{28A0092B-C50C-407E-A947-70E740481C1C}">
-                <a14:useLocalDpi xmlns:a14="http://schemas.microsoft.com/office/drawing/2010/main" val="0"/>
-              </a:ext>
-            </a:extLst>
-          </a:blip>
+          <a:blip r:embed="rId2"/>
           <a:stretch>
             <a:fillRect/>
           </a:stretch>
         </p:blipFill>
         <p:spPr>
           <a:xfrm>
-            <a:off x="993972" y="1536700"/>
-            <a:ext cx="10283627" cy="5206900"/>
+            <a:off x="1422401" y="1669184"/>
+            <a:ext cx="9800079" cy="4613084"/>
           </a:xfrm>
           <a:prstGeom prst="rect">
             <a:avLst/>
@@ -26018,7 +26034,14 @@
                 <a:latin typeface="微軟正黑體" panose="020B0604030504040204" pitchFamily="34" charset="-120"/>
                 <a:ea typeface="微軟正黑體" panose="020B0604030504040204" pitchFamily="34" charset="-120"/>
               </a:rPr>
-              <a:t>jMeter</a:t>
+              <a:t>JMeter</a:t>
+            </a:r>
+            <a:r>
+              <a:rPr lang="zh-TW" altLang="en-US" sz="3000">
+                <a:latin typeface="微軟正黑體" panose="020B0604030504040204" pitchFamily="34" charset="-120"/>
+                <a:ea typeface="微軟正黑體" panose="020B0604030504040204" pitchFamily="34" charset="-120"/>
+              </a:rPr>
+              <a:t>測試</a:t>
             </a:r>
             <a:endParaRPr lang="zh-TW" altLang="en-US" sz="3000" dirty="0">
               <a:latin typeface="微軟正黑體" panose="020B0604030504040204" pitchFamily="34" charset="-120"/>
@@ -26316,14 +26339,57 @@
         </p:blipFill>
         <p:spPr>
           <a:xfrm>
-            <a:off x="0" y="194115"/>
-            <a:ext cx="12192000" cy="6469769"/>
+            <a:off x="1474652" y="1131751"/>
+            <a:ext cx="9801497" cy="5201232"/>
           </a:xfrm>
           <a:prstGeom prst="rect">
             <a:avLst/>
           </a:prstGeom>
         </p:spPr>
       </p:pic>
+      <p:sp>
+        <p:nvSpPr>
+          <p:cNvPr id="3" name="文字方塊 2"/>
+          <p:cNvSpPr txBox="1"/>
+          <p:nvPr/>
+        </p:nvSpPr>
+        <p:spPr>
+          <a:xfrm>
+            <a:off x="1474652" y="407936"/>
+            <a:ext cx="8415866" cy="553998"/>
+          </a:xfrm>
+          <a:prstGeom prst="rect">
+            <a:avLst/>
+          </a:prstGeom>
+          <a:noFill/>
+        </p:spPr>
+        <p:txBody>
+          <a:bodyPr wrap="square" rtlCol="0">
+            <a:spAutoFit/>
+          </a:bodyPr>
+          <a:lstStyle/>
+          <a:p>
+            <a:r>
+              <a:rPr lang="en-US" altLang="zh-TW" sz="3000" dirty="0" err="1">
+                <a:latin typeface="微軟正黑體" panose="020B0604030504040204" pitchFamily="34" charset="-120"/>
+                <a:ea typeface="微軟正黑體" panose="020B0604030504040204" pitchFamily="34" charset="-120"/>
+              </a:rPr>
+              <a:t>JMeter</a:t>
+            </a:r>
+            <a:r>
+              <a:rPr lang="zh-TW" altLang="en-US" sz="3000" dirty="0">
+                <a:latin typeface="微軟正黑體" panose="020B0604030504040204" pitchFamily="34" charset="-120"/>
+                <a:ea typeface="微軟正黑體" panose="020B0604030504040204" pitchFamily="34" charset="-120"/>
+              </a:rPr>
+              <a:t>測試</a:t>
+            </a:r>
+            <a:endParaRPr lang="zh-TW" altLang="en-US" sz="3000" dirty="0">
+              <a:latin typeface="微軟正黑體" panose="020B0604030504040204" pitchFamily="34" charset="-120"/>
+              <a:ea typeface="微軟正黑體" panose="020B0604030504040204" pitchFamily="34" charset="-120"/>
+            </a:endParaRPr>
+          </a:p>
+        </p:txBody>
+      </p:sp>
     </p:spTree>
     <p:extLst>
       <p:ext uri="{BB962C8B-B14F-4D97-AF65-F5344CB8AC3E}">
@@ -26376,14 +26442,57 @@
         </p:blipFill>
         <p:spPr>
           <a:xfrm>
-            <a:off x="271462" y="161429"/>
-            <a:ext cx="12192000" cy="6506565"/>
+            <a:off x="1606731" y="1249097"/>
+            <a:ext cx="9628778" cy="5138638"/>
           </a:xfrm>
           <a:prstGeom prst="rect">
             <a:avLst/>
           </a:prstGeom>
         </p:spPr>
       </p:pic>
+      <p:sp>
+        <p:nvSpPr>
+          <p:cNvPr id="3" name="文字方塊 2"/>
+          <p:cNvSpPr txBox="1"/>
+          <p:nvPr/>
+        </p:nvSpPr>
+        <p:spPr>
+          <a:xfrm>
+            <a:off x="1474652" y="407936"/>
+            <a:ext cx="8415866" cy="553998"/>
+          </a:xfrm>
+          <a:prstGeom prst="rect">
+            <a:avLst/>
+          </a:prstGeom>
+          <a:noFill/>
+        </p:spPr>
+        <p:txBody>
+          <a:bodyPr wrap="square" rtlCol="0">
+            <a:spAutoFit/>
+          </a:bodyPr>
+          <a:lstStyle/>
+          <a:p>
+            <a:r>
+              <a:rPr lang="en-US" altLang="zh-TW" sz="3000" dirty="0" err="1">
+                <a:latin typeface="微軟正黑體" panose="020B0604030504040204" pitchFamily="34" charset="-120"/>
+                <a:ea typeface="微軟正黑體" panose="020B0604030504040204" pitchFamily="34" charset="-120"/>
+              </a:rPr>
+              <a:t>JMeter</a:t>
+            </a:r>
+            <a:r>
+              <a:rPr lang="zh-TW" altLang="en-US" sz="3000" dirty="0">
+                <a:latin typeface="微軟正黑體" panose="020B0604030504040204" pitchFamily="34" charset="-120"/>
+                <a:ea typeface="微軟正黑體" panose="020B0604030504040204" pitchFamily="34" charset="-120"/>
+              </a:rPr>
+              <a:t>測試</a:t>
+            </a:r>
+            <a:endParaRPr lang="zh-TW" altLang="en-US" sz="3000" dirty="0">
+              <a:latin typeface="微軟正黑體" panose="020B0604030504040204" pitchFamily="34" charset="-120"/>
+              <a:ea typeface="微軟正黑體" panose="020B0604030504040204" pitchFamily="34" charset="-120"/>
+            </a:endParaRPr>
+          </a:p>
+        </p:txBody>
+      </p:sp>
     </p:spTree>
     <p:extLst>
       <p:ext uri="{BB962C8B-B14F-4D97-AF65-F5344CB8AC3E}">
@@ -26436,14 +26545,57 @@
         </p:blipFill>
         <p:spPr>
           <a:xfrm>
-            <a:off x="0" y="182266"/>
-            <a:ext cx="12192000" cy="6493468"/>
+            <a:off x="1474652" y="1121069"/>
+            <a:ext cx="9840686" cy="5241156"/>
           </a:xfrm>
           <a:prstGeom prst="rect">
             <a:avLst/>
           </a:prstGeom>
         </p:spPr>
       </p:pic>
+      <p:sp>
+        <p:nvSpPr>
+          <p:cNvPr id="3" name="文字方塊 2"/>
+          <p:cNvSpPr txBox="1"/>
+          <p:nvPr/>
+        </p:nvSpPr>
+        <p:spPr>
+          <a:xfrm>
+            <a:off x="1474652" y="407936"/>
+            <a:ext cx="8415866" cy="553998"/>
+          </a:xfrm>
+          <a:prstGeom prst="rect">
+            <a:avLst/>
+          </a:prstGeom>
+          <a:noFill/>
+        </p:spPr>
+        <p:txBody>
+          <a:bodyPr wrap="square" rtlCol="0">
+            <a:spAutoFit/>
+          </a:bodyPr>
+          <a:lstStyle/>
+          <a:p>
+            <a:r>
+              <a:rPr lang="en-US" altLang="zh-TW" sz="3000" dirty="0" err="1" smtClean="0">
+                <a:latin typeface="微軟正黑體" panose="020B0604030504040204" pitchFamily="34" charset="-120"/>
+                <a:ea typeface="微軟正黑體" panose="020B0604030504040204" pitchFamily="34" charset="-120"/>
+              </a:rPr>
+              <a:t>JMeter</a:t>
+            </a:r>
+            <a:r>
+              <a:rPr lang="zh-TW" altLang="en-US" sz="3000" dirty="0" smtClean="0">
+                <a:latin typeface="微軟正黑體" panose="020B0604030504040204" pitchFamily="34" charset="-120"/>
+                <a:ea typeface="微軟正黑體" panose="020B0604030504040204" pitchFamily="34" charset="-120"/>
+              </a:rPr>
+              <a:t>測試</a:t>
+            </a:r>
+            <a:endParaRPr lang="zh-TW" altLang="en-US" sz="3000" dirty="0">
+              <a:latin typeface="微軟正黑體" panose="020B0604030504040204" pitchFamily="34" charset="-120"/>
+              <a:ea typeface="微軟正黑體" panose="020B0604030504040204" pitchFamily="34" charset="-120"/>
+            </a:endParaRPr>
+          </a:p>
+        </p:txBody>
+      </p:sp>
     </p:spTree>
     <p:extLst>
       <p:ext uri="{BB962C8B-B14F-4D97-AF65-F5344CB8AC3E}">
@@ -28063,6 +28215,111 @@
     <p:extLst>
       <p:ext uri="{BB962C8B-B14F-4D97-AF65-F5344CB8AC3E}">
         <p14:creationId xmlns:p14="http://schemas.microsoft.com/office/powerpoint/2010/main" val="511582113"/>
+      </p:ext>
+    </p:extLst>
+  </p:cSld>
+  <p:clrMapOvr>
+    <a:masterClrMapping/>
+  </p:clrMapOvr>
+  <p:timing>
+    <p:tnLst>
+      <p:par>
+        <p:cTn id="1" dur="indefinite" restart="never" nodeType="tmRoot"/>
+      </p:par>
+    </p:tnLst>
+  </p:timing>
+</p:sld>
+</file>
+
+<file path=ppt/slides/slide32.xml><?xml version="1.0" encoding="utf-8"?>
+<p:sld xmlns:a="http://schemas.openxmlformats.org/drawingml/2006/main" xmlns:r="http://schemas.openxmlformats.org/officeDocument/2006/relationships" xmlns:p="http://schemas.openxmlformats.org/presentationml/2006/main">
+  <p:cSld>
+    <p:spTree>
+      <p:nvGrpSpPr>
+        <p:cNvPr id="1" name=""/>
+        <p:cNvGrpSpPr/>
+        <p:nvPr/>
+      </p:nvGrpSpPr>
+      <p:grpSpPr>
+        <a:xfrm>
+          <a:off x="0" y="0"/>
+          <a:ext cx="0" cy="0"/>
+          <a:chOff x="0" y="0"/>
+          <a:chExt cx="0" cy="0"/>
+        </a:xfrm>
+      </p:grpSpPr>
+      <p:sp>
+        <p:nvSpPr>
+          <p:cNvPr id="2" name="文字方塊 1"/>
+          <p:cNvSpPr txBox="1"/>
+          <p:nvPr/>
+        </p:nvSpPr>
+        <p:spPr>
+          <a:xfrm>
+            <a:off x="1422401" y="982702"/>
+            <a:ext cx="8415866" cy="553998"/>
+          </a:xfrm>
+          <a:prstGeom prst="rect">
+            <a:avLst/>
+          </a:prstGeom>
+          <a:noFill/>
+        </p:spPr>
+        <p:txBody>
+          <a:bodyPr wrap="square" rtlCol="0">
+            <a:spAutoFit/>
+          </a:bodyPr>
+          <a:lstStyle/>
+          <a:p>
+            <a:r>
+              <a:rPr lang="en-US" altLang="zh-TW" sz="3000" dirty="0" smtClean="0">
+                <a:latin typeface="微軟正黑體" panose="020B0604030504040204" pitchFamily="34" charset="-120"/>
+                <a:ea typeface="微軟正黑體" panose="020B0604030504040204" pitchFamily="34" charset="-120"/>
+              </a:rPr>
+              <a:t>GitHub</a:t>
+            </a:r>
+            <a:r>
+              <a:rPr lang="zh-TW" altLang="en-US" sz="3000" dirty="0" smtClean="0">
+                <a:latin typeface="微軟正黑體" panose="020B0604030504040204" pitchFamily="34" charset="-120"/>
+                <a:ea typeface="微軟正黑體" panose="020B0604030504040204" pitchFamily="34" charset="-120"/>
+              </a:rPr>
+              <a:t>連結</a:t>
+            </a:r>
+            <a:endParaRPr lang="zh-TW" altLang="en-US" sz="3000" dirty="0">
+              <a:latin typeface="微軟正黑體" panose="020B0604030504040204" pitchFamily="34" charset="-120"/>
+              <a:ea typeface="微軟正黑體" panose="020B0604030504040204" pitchFamily="34" charset="-120"/>
+            </a:endParaRPr>
+          </a:p>
+        </p:txBody>
+      </p:sp>
+      <p:sp>
+        <p:nvSpPr>
+          <p:cNvPr id="4" name="內容版面配置區 3"/>
+          <p:cNvSpPr>
+            <a:spLocks noGrp="1"/>
+          </p:cNvSpPr>
+          <p:nvPr>
+            <p:ph idx="1"/>
+          </p:nvPr>
+        </p:nvSpPr>
+        <p:spPr/>
+        <p:txBody>
+          <a:bodyPr/>
+          <a:lstStyle/>
+          <a:p>
+            <a:r>
+              <a:rPr lang="en-US" altLang="zh-TW" dirty="0">
+                <a:hlinkClick r:id="rId2"/>
+              </a:rPr>
+              <a:t>https://github.com/wufelix/SocialActivityTimeline</a:t>
+            </a:r>
+            <a:endParaRPr lang="zh-TW" altLang="en-US" dirty="0"/>
+          </a:p>
+        </p:txBody>
+      </p:sp>
+    </p:spTree>
+    <p:extLst>
+      <p:ext uri="{BB962C8B-B14F-4D97-AF65-F5344CB8AC3E}">
+        <p14:creationId xmlns:p14="http://schemas.microsoft.com/office/powerpoint/2010/main" val="47470796"/>
       </p:ext>
     </p:extLst>
   </p:cSld>

--- a/web/第七組.pptx
+++ b/web/第七組.pptx
@@ -5,7 +5,7 @@
     <p:sldMasterId id="2147483964" r:id="rId1"/>
   </p:sldMasterIdLst>
   <p:notesMasterIdLst>
-    <p:notesMasterId r:id="rId34"/>
+    <p:notesMasterId r:id="rId38"/>
   </p:notesMasterIdLst>
   <p:sldIdLst>
     <p:sldId id="256" r:id="rId2"/>
@@ -37,9 +37,13 @@
     <p:sldId id="317" r:id="rId28"/>
     <p:sldId id="319" r:id="rId29"/>
     <p:sldId id="318" r:id="rId30"/>
-    <p:sldId id="299" r:id="rId31"/>
-    <p:sldId id="300" r:id="rId32"/>
-    <p:sldId id="320" r:id="rId33"/>
+    <p:sldId id="321" r:id="rId31"/>
+    <p:sldId id="322" r:id="rId32"/>
+    <p:sldId id="323" r:id="rId33"/>
+    <p:sldId id="324" r:id="rId34"/>
+    <p:sldId id="299" r:id="rId35"/>
+    <p:sldId id="300" r:id="rId36"/>
+    <p:sldId id="320" r:id="rId37"/>
   </p:sldIdLst>
   <p:sldSz cx="12192000" cy="6858000"/>
   <p:notesSz cx="6858000" cy="9144000"/>
@@ -26383,10 +26387,6 @@
               </a:rPr>
               <a:t>測試</a:t>
             </a:r>
-            <a:endParaRPr lang="zh-TW" altLang="en-US" sz="3000" dirty="0">
-              <a:latin typeface="微軟正黑體" panose="020B0604030504040204" pitchFamily="34" charset="-120"/>
-              <a:ea typeface="微軟正黑體" panose="020B0604030504040204" pitchFamily="34" charset="-120"/>
-            </a:endParaRPr>
           </a:p>
         </p:txBody>
       </p:sp>
@@ -26486,10 +26486,6 @@
               </a:rPr>
               <a:t>測試</a:t>
             </a:r>
-            <a:endParaRPr lang="zh-TW" altLang="en-US" sz="3000" dirty="0">
-              <a:latin typeface="微軟正黑體" panose="020B0604030504040204" pitchFamily="34" charset="-120"/>
-              <a:ea typeface="微軟正黑體" panose="020B0604030504040204" pitchFamily="34" charset="-120"/>
-            </a:endParaRPr>
           </a:p>
         </p:txBody>
       </p:sp>
@@ -27257,6 +27253,1114 @@
 <file path=ppt/slides/slide30.xml><?xml version="1.0" encoding="utf-8"?>
 <p:sld xmlns:a="http://schemas.openxmlformats.org/drawingml/2006/main" xmlns:r="http://schemas.openxmlformats.org/officeDocument/2006/relationships" xmlns:p="http://schemas.openxmlformats.org/presentationml/2006/main">
   <p:cSld>
+    <p:spTree>
+      <p:nvGrpSpPr>
+        <p:cNvPr id="1" name=""/>
+        <p:cNvGrpSpPr/>
+        <p:nvPr/>
+      </p:nvGrpSpPr>
+      <p:grpSpPr>
+        <a:xfrm>
+          <a:off x="0" y="0"/>
+          <a:ext cx="0" cy="0"/>
+          <a:chOff x="0" y="0"/>
+          <a:chExt cx="0" cy="0"/>
+        </a:xfrm>
+      </p:grpSpPr>
+      <p:sp>
+        <p:nvSpPr>
+          <p:cNvPr id="3" name="直排文字版面配置區 2"/>
+          <p:cNvSpPr>
+            <a:spLocks noGrp="1"/>
+          </p:cNvSpPr>
+          <p:nvPr>
+            <p:ph type="body" orient="vert" idx="1"/>
+          </p:nvPr>
+        </p:nvSpPr>
+        <p:spPr>
+          <a:xfrm>
+            <a:off x="1232852" y="1295898"/>
+            <a:ext cx="9905999" cy="3541714"/>
+          </a:xfrm>
+        </p:spPr>
+        <p:txBody>
+          <a:bodyPr vert="horz"/>
+          <a:lstStyle/>
+          <a:p>
+            <a:r>
+              <a:rPr lang="zh-TW" altLang="en-US" dirty="0" smtClean="0"/>
+              <a:t>輸入</a:t>
+            </a:r>
+            <a:r>
+              <a:rPr lang="en-US" altLang="zh-TW" dirty="0" smtClean="0"/>
+              <a:t>“brother”</a:t>
+            </a:r>
+            <a:r>
+              <a:rPr lang="zh-TW" altLang="en-US" dirty="0" smtClean="0"/>
+              <a:t>或是</a:t>
+            </a:r>
+            <a:r>
+              <a:rPr lang="en-US" altLang="zh-TW" dirty="0" smtClean="0"/>
+              <a:t>”sister”</a:t>
+            </a:r>
+            <a:r>
+              <a:rPr lang="zh-TW" altLang="en-US" dirty="0" smtClean="0"/>
+              <a:t>即可進入活動發佈頁面。</a:t>
+            </a:r>
+            <a:endParaRPr lang="en-US" altLang="zh-TW" dirty="0" smtClean="0"/>
+          </a:p>
+        </p:txBody>
+      </p:sp>
+      <p:sp>
+        <p:nvSpPr>
+          <p:cNvPr id="4" name="文字方塊 3"/>
+          <p:cNvSpPr txBox="1"/>
+          <p:nvPr/>
+        </p:nvSpPr>
+        <p:spPr>
+          <a:xfrm>
+            <a:off x="1141412" y="434062"/>
+            <a:ext cx="8415866" cy="553998"/>
+          </a:xfrm>
+          <a:prstGeom prst="rect">
+            <a:avLst/>
+          </a:prstGeom>
+          <a:noFill/>
+        </p:spPr>
+        <p:txBody>
+          <a:bodyPr wrap="square" rtlCol="0">
+            <a:spAutoFit/>
+          </a:bodyPr>
+          <a:lstStyle/>
+          <a:p>
+            <a:r>
+              <a:rPr lang="zh-TW" altLang="en-US" sz="3000" dirty="0" smtClean="0">
+                <a:latin typeface="微軟正黑體" panose="020B0604030504040204" pitchFamily="34" charset="-120"/>
+                <a:ea typeface="微軟正黑體" panose="020B0604030504040204" pitchFamily="34" charset="-120"/>
+              </a:rPr>
+              <a:t>操作說明</a:t>
+            </a:r>
+            <a:r>
+              <a:rPr lang="en-US" altLang="zh-TW" sz="3000" dirty="0" smtClean="0">
+                <a:latin typeface="微軟正黑體" panose="020B0604030504040204" pitchFamily="34" charset="-120"/>
+                <a:ea typeface="微軟正黑體" panose="020B0604030504040204" pitchFamily="34" charset="-120"/>
+              </a:rPr>
+              <a:t>-</a:t>
+            </a:r>
+            <a:r>
+              <a:rPr lang="zh-TW" altLang="en-US" sz="3000" dirty="0" smtClean="0">
+                <a:latin typeface="微軟正黑體" panose="020B0604030504040204" pitchFamily="34" charset="-120"/>
+                <a:ea typeface="微軟正黑體" panose="020B0604030504040204" pitchFamily="34" charset="-120"/>
+              </a:rPr>
+              <a:t>發佈活動</a:t>
+            </a:r>
+            <a:endParaRPr lang="zh-TW" altLang="en-US" sz="3000" dirty="0">
+              <a:latin typeface="微軟正黑體" panose="020B0604030504040204" pitchFamily="34" charset="-120"/>
+              <a:ea typeface="微軟正黑體" panose="020B0604030504040204" pitchFamily="34" charset="-120"/>
+            </a:endParaRPr>
+          </a:p>
+        </p:txBody>
+      </p:sp>
+      <p:pic>
+        <p:nvPicPr>
+          <p:cNvPr id="5" name="圖片 4"/>
+          <p:cNvPicPr>
+            <a:picLocks noChangeAspect="1"/>
+          </p:cNvPicPr>
+          <p:nvPr/>
+        </p:nvPicPr>
+        <p:blipFill>
+          <a:blip r:embed="rId2"/>
+          <a:stretch>
+            <a:fillRect/>
+          </a:stretch>
+        </p:blipFill>
+        <p:spPr>
+          <a:xfrm>
+            <a:off x="3102787" y="2101339"/>
+            <a:ext cx="8536220" cy="4318102"/>
+          </a:xfrm>
+          <a:prstGeom prst="rect">
+            <a:avLst/>
+          </a:prstGeom>
+        </p:spPr>
+      </p:pic>
+    </p:spTree>
+    <p:extLst>
+      <p:ext uri="{BB962C8B-B14F-4D97-AF65-F5344CB8AC3E}">
+        <p14:creationId xmlns:p14="http://schemas.microsoft.com/office/powerpoint/2010/main" val="317579832"/>
+      </p:ext>
+    </p:extLst>
+  </p:cSld>
+  <p:clrMapOvr>
+    <a:masterClrMapping/>
+  </p:clrMapOvr>
+</p:sld>
+</file>
+
+<file path=ppt/slides/slide31.xml><?xml version="1.0" encoding="utf-8"?>
+<p:sld xmlns:a="http://schemas.openxmlformats.org/drawingml/2006/main" xmlns:r="http://schemas.openxmlformats.org/officeDocument/2006/relationships" xmlns:p="http://schemas.openxmlformats.org/presentationml/2006/main">
+  <p:cSld>
+    <p:spTree>
+      <p:nvGrpSpPr>
+        <p:cNvPr id="1" name=""/>
+        <p:cNvGrpSpPr/>
+        <p:nvPr/>
+      </p:nvGrpSpPr>
+      <p:grpSpPr>
+        <a:xfrm>
+          <a:off x="0" y="0"/>
+          <a:ext cx="0" cy="0"/>
+          <a:chOff x="0" y="0"/>
+          <a:chExt cx="0" cy="0"/>
+        </a:xfrm>
+      </p:grpSpPr>
+      <p:sp>
+        <p:nvSpPr>
+          <p:cNvPr id="4" name="直排文字版面配置區 2"/>
+          <p:cNvSpPr txBox="1">
+            <a:spLocks/>
+          </p:cNvSpPr>
+          <p:nvPr/>
+        </p:nvSpPr>
+        <p:spPr>
+          <a:xfrm>
+            <a:off x="1232852" y="1295898"/>
+            <a:ext cx="9905999" cy="3541714"/>
+          </a:xfrm>
+          <a:prstGeom prst="rect">
+            <a:avLst/>
+          </a:prstGeom>
+        </p:spPr>
+        <p:txBody>
+          <a:bodyPr vert="horz" lIns="91440" tIns="45720" rIns="91440" bIns="45720" rtlCol="0" anchor="t">
+            <a:normAutofit/>
+          </a:bodyPr>
+          <a:lstStyle>
+            <a:lvl1pPr marL="228600" indent="-228600" algn="l" defTabSz="914400" rtl="0" eaLnBrk="1" latinLnBrk="0" hangingPunct="1">
+              <a:lnSpc>
+                <a:spcPct val="120000"/>
+              </a:lnSpc>
+              <a:spcBef>
+                <a:spcPts val="1000"/>
+              </a:spcBef>
+              <a:buSzPct val="125000"/>
+              <a:buFont typeface="Arial" panose="020B0604020202020204" pitchFamily="34" charset="0"/>
+              <a:buChar char="•"/>
+              <a:defRPr sz="2400" kern="1200">
+                <a:solidFill>
+                  <a:schemeClr val="tx1"/>
+                </a:solidFill>
+                <a:latin typeface="+mn-lt"/>
+                <a:ea typeface="+mn-ea"/>
+                <a:cs typeface="+mn-cs"/>
+              </a:defRPr>
+            </a:lvl1pPr>
+            <a:lvl2pPr marL="685800" indent="-228600" algn="l" defTabSz="914400" rtl="0" eaLnBrk="1" latinLnBrk="0" hangingPunct="1">
+              <a:lnSpc>
+                <a:spcPct val="120000"/>
+              </a:lnSpc>
+              <a:spcBef>
+                <a:spcPts val="500"/>
+              </a:spcBef>
+              <a:buSzPct val="125000"/>
+              <a:buFont typeface="Arial" panose="020B0604020202020204" pitchFamily="34" charset="0"/>
+              <a:buChar char="•"/>
+              <a:defRPr sz="2000" kern="1200">
+                <a:solidFill>
+                  <a:schemeClr val="tx1"/>
+                </a:solidFill>
+                <a:latin typeface="+mn-lt"/>
+                <a:ea typeface="+mn-ea"/>
+                <a:cs typeface="+mn-cs"/>
+              </a:defRPr>
+            </a:lvl2pPr>
+            <a:lvl3pPr marL="1143000" indent="-228600" algn="l" defTabSz="914400" rtl="0" eaLnBrk="1" latinLnBrk="0" hangingPunct="1">
+              <a:lnSpc>
+                <a:spcPct val="120000"/>
+              </a:lnSpc>
+              <a:spcBef>
+                <a:spcPts val="500"/>
+              </a:spcBef>
+              <a:buSzPct val="125000"/>
+              <a:buFont typeface="Arial" panose="020B0604020202020204" pitchFamily="34" charset="0"/>
+              <a:buChar char="•"/>
+              <a:defRPr sz="1800" kern="1200">
+                <a:solidFill>
+                  <a:schemeClr val="tx1"/>
+                </a:solidFill>
+                <a:latin typeface="+mn-lt"/>
+                <a:ea typeface="+mn-ea"/>
+                <a:cs typeface="+mn-cs"/>
+              </a:defRPr>
+            </a:lvl3pPr>
+            <a:lvl4pPr marL="1600200" indent="-228600" algn="l" defTabSz="914400" rtl="0" eaLnBrk="1" latinLnBrk="0" hangingPunct="1">
+              <a:lnSpc>
+                <a:spcPct val="120000"/>
+              </a:lnSpc>
+              <a:spcBef>
+                <a:spcPts val="500"/>
+              </a:spcBef>
+              <a:buSzPct val="125000"/>
+              <a:buFont typeface="Arial" panose="020B0604020202020204" pitchFamily="34" charset="0"/>
+              <a:buChar char="•"/>
+              <a:defRPr sz="1600" kern="1200">
+                <a:solidFill>
+                  <a:schemeClr val="tx1"/>
+                </a:solidFill>
+                <a:latin typeface="+mn-lt"/>
+                <a:ea typeface="+mn-ea"/>
+                <a:cs typeface="+mn-cs"/>
+              </a:defRPr>
+            </a:lvl4pPr>
+            <a:lvl5pPr marL="2057400" indent="-228600" algn="l" defTabSz="914400" rtl="0" eaLnBrk="1" latinLnBrk="0" hangingPunct="1">
+              <a:lnSpc>
+                <a:spcPct val="120000"/>
+              </a:lnSpc>
+              <a:spcBef>
+                <a:spcPts val="500"/>
+              </a:spcBef>
+              <a:buSzPct val="125000"/>
+              <a:buFont typeface="Arial" panose="020B0604020202020204" pitchFamily="34" charset="0"/>
+              <a:buChar char="•"/>
+              <a:defRPr sz="1600" kern="1200">
+                <a:solidFill>
+                  <a:schemeClr val="tx1"/>
+                </a:solidFill>
+                <a:latin typeface="+mn-lt"/>
+                <a:ea typeface="+mn-ea"/>
+                <a:cs typeface="+mn-cs"/>
+              </a:defRPr>
+            </a:lvl5pPr>
+            <a:lvl6pPr marL="2514600" indent="-228600" algn="l" defTabSz="914400" rtl="0" eaLnBrk="1" latinLnBrk="0" hangingPunct="1">
+              <a:lnSpc>
+                <a:spcPct val="120000"/>
+              </a:lnSpc>
+              <a:spcBef>
+                <a:spcPts val="500"/>
+              </a:spcBef>
+              <a:buSzPct val="125000"/>
+              <a:buFont typeface="Arial" panose="020B0604020202020204" pitchFamily="34" charset="0"/>
+              <a:buChar char="•"/>
+              <a:defRPr sz="1400" kern="1200">
+                <a:solidFill>
+                  <a:schemeClr val="tx1"/>
+                </a:solidFill>
+                <a:latin typeface="+mn-lt"/>
+                <a:ea typeface="+mn-ea"/>
+                <a:cs typeface="+mn-cs"/>
+              </a:defRPr>
+            </a:lvl6pPr>
+            <a:lvl7pPr marL="2971800" indent="-228600" algn="l" defTabSz="914400" rtl="0" eaLnBrk="1" latinLnBrk="0" hangingPunct="1">
+              <a:lnSpc>
+                <a:spcPct val="120000"/>
+              </a:lnSpc>
+              <a:spcBef>
+                <a:spcPts val="500"/>
+              </a:spcBef>
+              <a:buSzPct val="125000"/>
+              <a:buFont typeface="Arial" panose="020B0604020202020204" pitchFamily="34" charset="0"/>
+              <a:buChar char="•"/>
+              <a:defRPr sz="1400" kern="1200">
+                <a:solidFill>
+                  <a:schemeClr val="tx1"/>
+                </a:solidFill>
+                <a:latin typeface="+mn-lt"/>
+                <a:ea typeface="+mn-ea"/>
+                <a:cs typeface="+mn-cs"/>
+              </a:defRPr>
+            </a:lvl7pPr>
+            <a:lvl8pPr marL="3429000" indent="-228600" algn="l" defTabSz="914400" rtl="0" eaLnBrk="1" latinLnBrk="0" hangingPunct="1">
+              <a:lnSpc>
+                <a:spcPct val="120000"/>
+              </a:lnSpc>
+              <a:spcBef>
+                <a:spcPts val="500"/>
+              </a:spcBef>
+              <a:buSzPct val="125000"/>
+              <a:buFont typeface="Arial" panose="020B0604020202020204" pitchFamily="34" charset="0"/>
+              <a:buChar char="•"/>
+              <a:defRPr sz="1400" kern="1200">
+                <a:solidFill>
+                  <a:schemeClr val="tx1"/>
+                </a:solidFill>
+                <a:latin typeface="+mn-lt"/>
+                <a:ea typeface="+mn-ea"/>
+                <a:cs typeface="+mn-cs"/>
+              </a:defRPr>
+            </a:lvl8pPr>
+            <a:lvl9pPr marL="3886200" indent="-228600" algn="l" defTabSz="914400" rtl="0" eaLnBrk="1" latinLnBrk="0" hangingPunct="1">
+              <a:lnSpc>
+                <a:spcPct val="120000"/>
+              </a:lnSpc>
+              <a:spcBef>
+                <a:spcPts val="500"/>
+              </a:spcBef>
+              <a:buSzPct val="125000"/>
+              <a:buFont typeface="Arial" panose="020B0604020202020204" pitchFamily="34" charset="0"/>
+              <a:buChar char="•"/>
+              <a:defRPr sz="1400" kern="1200">
+                <a:solidFill>
+                  <a:schemeClr val="tx1"/>
+                </a:solidFill>
+                <a:latin typeface="+mn-lt"/>
+                <a:ea typeface="+mn-ea"/>
+                <a:cs typeface="+mn-cs"/>
+              </a:defRPr>
+            </a:lvl9pPr>
+          </a:lstStyle>
+          <a:p>
+            <a:r>
+              <a:rPr lang="zh-TW" altLang="en-US" dirty="0" smtClean="0"/>
+              <a:t>輸入</a:t>
+            </a:r>
+            <a:r>
+              <a:rPr lang="en-US" altLang="zh-TW" dirty="0" smtClean="0"/>
+              <a:t>“00257148</a:t>
+            </a:r>
+            <a:r>
+              <a:rPr lang="en-US" altLang="zh-TW" dirty="0" smtClean="0"/>
+              <a:t>”</a:t>
+            </a:r>
+            <a:r>
+              <a:rPr lang="zh-TW" altLang="en-US" dirty="0" smtClean="0"/>
+              <a:t> 、</a:t>
+            </a:r>
+            <a:r>
+              <a:rPr lang="en-US" altLang="zh-TW" dirty="0" smtClean="0"/>
+              <a:t>”00257111”</a:t>
+            </a:r>
+            <a:r>
+              <a:rPr lang="zh-TW" altLang="en-US" dirty="0" smtClean="0"/>
+              <a:t>、</a:t>
+            </a:r>
+            <a:r>
+              <a:rPr lang="en-US" altLang="zh-TW" dirty="0" smtClean="0"/>
+              <a:t>”00257100”</a:t>
+            </a:r>
+            <a:r>
+              <a:rPr lang="zh-TW" altLang="en-US" dirty="0" smtClean="0"/>
+              <a:t>等等測試。</a:t>
+            </a:r>
+            <a:endParaRPr lang="en-US" altLang="zh-TW" dirty="0" smtClean="0"/>
+          </a:p>
+          <a:p>
+            <a:r>
+              <a:rPr lang="zh-TW" altLang="en-US" dirty="0" smtClean="0"/>
+              <a:t>有防堵學號輸入錯誤或是沒有輸入的機制。</a:t>
+            </a:r>
+            <a:endParaRPr lang="en-US" altLang="zh-TW" dirty="0" smtClean="0"/>
+          </a:p>
+        </p:txBody>
+      </p:sp>
+      <p:sp>
+        <p:nvSpPr>
+          <p:cNvPr id="5" name="文字方塊 4"/>
+          <p:cNvSpPr txBox="1"/>
+          <p:nvPr/>
+        </p:nvSpPr>
+        <p:spPr>
+          <a:xfrm>
+            <a:off x="1141412" y="434062"/>
+            <a:ext cx="8415866" cy="553998"/>
+          </a:xfrm>
+          <a:prstGeom prst="rect">
+            <a:avLst/>
+          </a:prstGeom>
+          <a:noFill/>
+        </p:spPr>
+        <p:txBody>
+          <a:bodyPr wrap="square" rtlCol="0">
+            <a:spAutoFit/>
+          </a:bodyPr>
+          <a:lstStyle/>
+          <a:p>
+            <a:r>
+              <a:rPr lang="zh-TW" altLang="en-US" sz="3000" dirty="0" smtClean="0">
+                <a:latin typeface="微軟正黑體" panose="020B0604030504040204" pitchFamily="34" charset="-120"/>
+                <a:ea typeface="微軟正黑體" panose="020B0604030504040204" pitchFamily="34" charset="-120"/>
+              </a:rPr>
+              <a:t>操作說明</a:t>
+            </a:r>
+            <a:r>
+              <a:rPr lang="en-US" altLang="zh-TW" sz="3000" dirty="0" smtClean="0">
+                <a:latin typeface="微軟正黑體" panose="020B0604030504040204" pitchFamily="34" charset="-120"/>
+                <a:ea typeface="微軟正黑體" panose="020B0604030504040204" pitchFamily="34" charset="-120"/>
+              </a:rPr>
+              <a:t>-</a:t>
+            </a:r>
+            <a:r>
+              <a:rPr lang="zh-TW" altLang="en-US" sz="3000" dirty="0" smtClean="0">
+                <a:latin typeface="微軟正黑體" panose="020B0604030504040204" pitchFamily="34" charset="-120"/>
+                <a:ea typeface="微軟正黑體" panose="020B0604030504040204" pitchFamily="34" charset="-120"/>
+              </a:rPr>
+              <a:t>潛在關係圖</a:t>
+            </a:r>
+            <a:endParaRPr lang="zh-TW" altLang="en-US" sz="3000" dirty="0">
+              <a:latin typeface="微軟正黑體" panose="020B0604030504040204" pitchFamily="34" charset="-120"/>
+              <a:ea typeface="微軟正黑體" panose="020B0604030504040204" pitchFamily="34" charset="-120"/>
+            </a:endParaRPr>
+          </a:p>
+        </p:txBody>
+      </p:sp>
+      <p:pic>
+        <p:nvPicPr>
+          <p:cNvPr id="6" name="圖片 5"/>
+          <p:cNvPicPr>
+            <a:picLocks noChangeAspect="1"/>
+          </p:cNvPicPr>
+          <p:nvPr/>
+        </p:nvPicPr>
+        <p:blipFill>
+          <a:blip r:embed="rId2"/>
+          <a:stretch>
+            <a:fillRect/>
+          </a:stretch>
+        </p:blipFill>
+        <p:spPr>
+          <a:xfrm>
+            <a:off x="3840480" y="2403033"/>
+            <a:ext cx="8125097" cy="4311276"/>
+          </a:xfrm>
+          <a:prstGeom prst="rect">
+            <a:avLst/>
+          </a:prstGeom>
+        </p:spPr>
+      </p:pic>
+    </p:spTree>
+    <p:extLst>
+      <p:ext uri="{BB962C8B-B14F-4D97-AF65-F5344CB8AC3E}">
+        <p14:creationId xmlns:p14="http://schemas.microsoft.com/office/powerpoint/2010/main" val="3054344675"/>
+      </p:ext>
+    </p:extLst>
+  </p:cSld>
+  <p:clrMapOvr>
+    <a:masterClrMapping/>
+  </p:clrMapOvr>
+</p:sld>
+</file>
+
+<file path=ppt/slides/slide32.xml><?xml version="1.0" encoding="utf-8"?>
+<p:sld xmlns:a="http://schemas.openxmlformats.org/drawingml/2006/main" xmlns:r="http://schemas.openxmlformats.org/officeDocument/2006/relationships" xmlns:p="http://schemas.openxmlformats.org/presentationml/2006/main">
+  <p:cSld>
+    <p:spTree>
+      <p:nvGrpSpPr>
+        <p:cNvPr id="1" name=""/>
+        <p:cNvGrpSpPr/>
+        <p:nvPr/>
+      </p:nvGrpSpPr>
+      <p:grpSpPr>
+        <a:xfrm>
+          <a:off x="0" y="0"/>
+          <a:ext cx="0" cy="0"/>
+          <a:chOff x="0" y="0"/>
+          <a:chExt cx="0" cy="0"/>
+        </a:xfrm>
+      </p:grpSpPr>
+      <p:sp>
+        <p:nvSpPr>
+          <p:cNvPr id="4" name="文字方塊 3"/>
+          <p:cNvSpPr txBox="1"/>
+          <p:nvPr/>
+        </p:nvSpPr>
+        <p:spPr>
+          <a:xfrm>
+            <a:off x="1141412" y="434062"/>
+            <a:ext cx="8415866" cy="553998"/>
+          </a:xfrm>
+          <a:prstGeom prst="rect">
+            <a:avLst/>
+          </a:prstGeom>
+          <a:noFill/>
+        </p:spPr>
+        <p:txBody>
+          <a:bodyPr wrap="square" rtlCol="0">
+            <a:spAutoFit/>
+          </a:bodyPr>
+          <a:lstStyle/>
+          <a:p>
+            <a:r>
+              <a:rPr lang="zh-TW" altLang="en-US" sz="3000" dirty="0" smtClean="0">
+                <a:latin typeface="微軟正黑體" panose="020B0604030504040204" pitchFamily="34" charset="-120"/>
+                <a:ea typeface="微軟正黑體" panose="020B0604030504040204" pitchFamily="34" charset="-120"/>
+              </a:rPr>
+              <a:t>操作說明</a:t>
+            </a:r>
+            <a:r>
+              <a:rPr lang="en-US" altLang="zh-TW" sz="3000" dirty="0" smtClean="0">
+                <a:latin typeface="微軟正黑體" panose="020B0604030504040204" pitchFamily="34" charset="-120"/>
+                <a:ea typeface="微軟正黑體" panose="020B0604030504040204" pitchFamily="34" charset="-120"/>
+              </a:rPr>
+              <a:t>-</a:t>
+            </a:r>
+            <a:r>
+              <a:rPr lang="zh-TW" altLang="en-US" sz="3000" dirty="0" smtClean="0">
+                <a:latin typeface="微軟正黑體" panose="020B0604030504040204" pitchFamily="34" charset="-120"/>
+                <a:ea typeface="微軟正黑體" panose="020B0604030504040204" pitchFamily="34" charset="-120"/>
+              </a:rPr>
+              <a:t>活動說明頁面</a:t>
+            </a:r>
+            <a:endParaRPr lang="zh-TW" altLang="en-US" sz="3000" dirty="0">
+              <a:latin typeface="微軟正黑體" panose="020B0604030504040204" pitchFamily="34" charset="-120"/>
+              <a:ea typeface="微軟正黑體" panose="020B0604030504040204" pitchFamily="34" charset="-120"/>
+            </a:endParaRPr>
+          </a:p>
+        </p:txBody>
+      </p:sp>
+      <p:sp>
+        <p:nvSpPr>
+          <p:cNvPr id="5" name="直排文字版面配置區 2"/>
+          <p:cNvSpPr txBox="1">
+            <a:spLocks/>
+          </p:cNvSpPr>
+          <p:nvPr/>
+        </p:nvSpPr>
+        <p:spPr>
+          <a:xfrm>
+            <a:off x="1232852" y="1295898"/>
+            <a:ext cx="9905999" cy="3541714"/>
+          </a:xfrm>
+          <a:prstGeom prst="rect">
+            <a:avLst/>
+          </a:prstGeom>
+        </p:spPr>
+        <p:txBody>
+          <a:bodyPr vert="horz" lIns="91440" tIns="45720" rIns="91440" bIns="45720" rtlCol="0" anchor="t">
+            <a:normAutofit/>
+          </a:bodyPr>
+          <a:lstStyle>
+            <a:lvl1pPr marL="228600" indent="-228600" algn="l" defTabSz="914400" rtl="0" eaLnBrk="1" latinLnBrk="0" hangingPunct="1">
+              <a:lnSpc>
+                <a:spcPct val="120000"/>
+              </a:lnSpc>
+              <a:spcBef>
+                <a:spcPts val="1000"/>
+              </a:spcBef>
+              <a:buSzPct val="125000"/>
+              <a:buFont typeface="Arial" panose="020B0604020202020204" pitchFamily="34" charset="0"/>
+              <a:buChar char="•"/>
+              <a:defRPr sz="2400" kern="1200">
+                <a:solidFill>
+                  <a:schemeClr val="tx1"/>
+                </a:solidFill>
+                <a:latin typeface="+mn-lt"/>
+                <a:ea typeface="+mn-ea"/>
+                <a:cs typeface="+mn-cs"/>
+              </a:defRPr>
+            </a:lvl1pPr>
+            <a:lvl2pPr marL="685800" indent="-228600" algn="l" defTabSz="914400" rtl="0" eaLnBrk="1" latinLnBrk="0" hangingPunct="1">
+              <a:lnSpc>
+                <a:spcPct val="120000"/>
+              </a:lnSpc>
+              <a:spcBef>
+                <a:spcPts val="500"/>
+              </a:spcBef>
+              <a:buSzPct val="125000"/>
+              <a:buFont typeface="Arial" panose="020B0604020202020204" pitchFamily="34" charset="0"/>
+              <a:buChar char="•"/>
+              <a:defRPr sz="2000" kern="1200">
+                <a:solidFill>
+                  <a:schemeClr val="tx1"/>
+                </a:solidFill>
+                <a:latin typeface="+mn-lt"/>
+                <a:ea typeface="+mn-ea"/>
+                <a:cs typeface="+mn-cs"/>
+              </a:defRPr>
+            </a:lvl2pPr>
+            <a:lvl3pPr marL="1143000" indent="-228600" algn="l" defTabSz="914400" rtl="0" eaLnBrk="1" latinLnBrk="0" hangingPunct="1">
+              <a:lnSpc>
+                <a:spcPct val="120000"/>
+              </a:lnSpc>
+              <a:spcBef>
+                <a:spcPts val="500"/>
+              </a:spcBef>
+              <a:buSzPct val="125000"/>
+              <a:buFont typeface="Arial" panose="020B0604020202020204" pitchFamily="34" charset="0"/>
+              <a:buChar char="•"/>
+              <a:defRPr sz="1800" kern="1200">
+                <a:solidFill>
+                  <a:schemeClr val="tx1"/>
+                </a:solidFill>
+                <a:latin typeface="+mn-lt"/>
+                <a:ea typeface="+mn-ea"/>
+                <a:cs typeface="+mn-cs"/>
+              </a:defRPr>
+            </a:lvl3pPr>
+            <a:lvl4pPr marL="1600200" indent="-228600" algn="l" defTabSz="914400" rtl="0" eaLnBrk="1" latinLnBrk="0" hangingPunct="1">
+              <a:lnSpc>
+                <a:spcPct val="120000"/>
+              </a:lnSpc>
+              <a:spcBef>
+                <a:spcPts val="500"/>
+              </a:spcBef>
+              <a:buSzPct val="125000"/>
+              <a:buFont typeface="Arial" panose="020B0604020202020204" pitchFamily="34" charset="0"/>
+              <a:buChar char="•"/>
+              <a:defRPr sz="1600" kern="1200">
+                <a:solidFill>
+                  <a:schemeClr val="tx1"/>
+                </a:solidFill>
+                <a:latin typeface="+mn-lt"/>
+                <a:ea typeface="+mn-ea"/>
+                <a:cs typeface="+mn-cs"/>
+              </a:defRPr>
+            </a:lvl4pPr>
+            <a:lvl5pPr marL="2057400" indent="-228600" algn="l" defTabSz="914400" rtl="0" eaLnBrk="1" latinLnBrk="0" hangingPunct="1">
+              <a:lnSpc>
+                <a:spcPct val="120000"/>
+              </a:lnSpc>
+              <a:spcBef>
+                <a:spcPts val="500"/>
+              </a:spcBef>
+              <a:buSzPct val="125000"/>
+              <a:buFont typeface="Arial" panose="020B0604020202020204" pitchFamily="34" charset="0"/>
+              <a:buChar char="•"/>
+              <a:defRPr sz="1600" kern="1200">
+                <a:solidFill>
+                  <a:schemeClr val="tx1"/>
+                </a:solidFill>
+                <a:latin typeface="+mn-lt"/>
+                <a:ea typeface="+mn-ea"/>
+                <a:cs typeface="+mn-cs"/>
+              </a:defRPr>
+            </a:lvl5pPr>
+            <a:lvl6pPr marL="2514600" indent="-228600" algn="l" defTabSz="914400" rtl="0" eaLnBrk="1" latinLnBrk="0" hangingPunct="1">
+              <a:lnSpc>
+                <a:spcPct val="120000"/>
+              </a:lnSpc>
+              <a:spcBef>
+                <a:spcPts val="500"/>
+              </a:spcBef>
+              <a:buSzPct val="125000"/>
+              <a:buFont typeface="Arial" panose="020B0604020202020204" pitchFamily="34" charset="0"/>
+              <a:buChar char="•"/>
+              <a:defRPr sz="1400" kern="1200">
+                <a:solidFill>
+                  <a:schemeClr val="tx1"/>
+                </a:solidFill>
+                <a:latin typeface="+mn-lt"/>
+                <a:ea typeface="+mn-ea"/>
+                <a:cs typeface="+mn-cs"/>
+              </a:defRPr>
+            </a:lvl6pPr>
+            <a:lvl7pPr marL="2971800" indent="-228600" algn="l" defTabSz="914400" rtl="0" eaLnBrk="1" latinLnBrk="0" hangingPunct="1">
+              <a:lnSpc>
+                <a:spcPct val="120000"/>
+              </a:lnSpc>
+              <a:spcBef>
+                <a:spcPts val="500"/>
+              </a:spcBef>
+              <a:buSzPct val="125000"/>
+              <a:buFont typeface="Arial" panose="020B0604020202020204" pitchFamily="34" charset="0"/>
+              <a:buChar char="•"/>
+              <a:defRPr sz="1400" kern="1200">
+                <a:solidFill>
+                  <a:schemeClr val="tx1"/>
+                </a:solidFill>
+                <a:latin typeface="+mn-lt"/>
+                <a:ea typeface="+mn-ea"/>
+                <a:cs typeface="+mn-cs"/>
+              </a:defRPr>
+            </a:lvl7pPr>
+            <a:lvl8pPr marL="3429000" indent="-228600" algn="l" defTabSz="914400" rtl="0" eaLnBrk="1" latinLnBrk="0" hangingPunct="1">
+              <a:lnSpc>
+                <a:spcPct val="120000"/>
+              </a:lnSpc>
+              <a:spcBef>
+                <a:spcPts val="500"/>
+              </a:spcBef>
+              <a:buSzPct val="125000"/>
+              <a:buFont typeface="Arial" panose="020B0604020202020204" pitchFamily="34" charset="0"/>
+              <a:buChar char="•"/>
+              <a:defRPr sz="1400" kern="1200">
+                <a:solidFill>
+                  <a:schemeClr val="tx1"/>
+                </a:solidFill>
+                <a:latin typeface="+mn-lt"/>
+                <a:ea typeface="+mn-ea"/>
+                <a:cs typeface="+mn-cs"/>
+              </a:defRPr>
+            </a:lvl8pPr>
+            <a:lvl9pPr marL="3886200" indent="-228600" algn="l" defTabSz="914400" rtl="0" eaLnBrk="1" latinLnBrk="0" hangingPunct="1">
+              <a:lnSpc>
+                <a:spcPct val="120000"/>
+              </a:lnSpc>
+              <a:spcBef>
+                <a:spcPts val="500"/>
+              </a:spcBef>
+              <a:buSzPct val="125000"/>
+              <a:buFont typeface="Arial" panose="020B0604020202020204" pitchFamily="34" charset="0"/>
+              <a:buChar char="•"/>
+              <a:defRPr sz="1400" kern="1200">
+                <a:solidFill>
+                  <a:schemeClr val="tx1"/>
+                </a:solidFill>
+                <a:latin typeface="+mn-lt"/>
+                <a:ea typeface="+mn-ea"/>
+                <a:cs typeface="+mn-cs"/>
+              </a:defRPr>
+            </a:lvl9pPr>
+          </a:lstStyle>
+          <a:p>
+            <a:r>
+              <a:rPr lang="zh-TW" altLang="en-US" dirty="0" smtClean="0"/>
+              <a:t>活動頁面包含活動詳細資訊、系級的統計、男女比例、報名連結等。</a:t>
+            </a:r>
+            <a:endParaRPr lang="en-US" altLang="zh-TW" dirty="0" smtClean="0"/>
+          </a:p>
+        </p:txBody>
+      </p:sp>
+      <p:pic>
+        <p:nvPicPr>
+          <p:cNvPr id="6" name="圖片 5"/>
+          <p:cNvPicPr>
+            <a:picLocks noChangeAspect="1"/>
+          </p:cNvPicPr>
+          <p:nvPr/>
+        </p:nvPicPr>
+        <p:blipFill>
+          <a:blip r:embed="rId2"/>
+          <a:stretch>
+            <a:fillRect/>
+          </a:stretch>
+        </p:blipFill>
+        <p:spPr>
+          <a:xfrm>
+            <a:off x="2586445" y="1953548"/>
+            <a:ext cx="8421461" cy="4475828"/>
+          </a:xfrm>
+          <a:prstGeom prst="rect">
+            <a:avLst/>
+          </a:prstGeom>
+        </p:spPr>
+      </p:pic>
+    </p:spTree>
+    <p:extLst>
+      <p:ext uri="{BB962C8B-B14F-4D97-AF65-F5344CB8AC3E}">
+        <p14:creationId xmlns:p14="http://schemas.microsoft.com/office/powerpoint/2010/main" val="1336672364"/>
+      </p:ext>
+    </p:extLst>
+  </p:cSld>
+  <p:clrMapOvr>
+    <a:masterClrMapping/>
+  </p:clrMapOvr>
+</p:sld>
+</file>
+
+<file path=ppt/slides/slide33.xml><?xml version="1.0" encoding="utf-8"?>
+<p:sld xmlns:a="http://schemas.openxmlformats.org/drawingml/2006/main" xmlns:r="http://schemas.openxmlformats.org/officeDocument/2006/relationships" xmlns:p="http://schemas.openxmlformats.org/presentationml/2006/main">
+  <p:cSld>
+    <p:spTree>
+      <p:nvGrpSpPr>
+        <p:cNvPr id="1" name=""/>
+        <p:cNvGrpSpPr/>
+        <p:nvPr/>
+      </p:nvGrpSpPr>
+      <p:grpSpPr>
+        <a:xfrm>
+          <a:off x="0" y="0"/>
+          <a:ext cx="0" cy="0"/>
+          <a:chOff x="0" y="0"/>
+          <a:chExt cx="0" cy="0"/>
+        </a:xfrm>
+      </p:grpSpPr>
+      <p:pic>
+        <p:nvPicPr>
+          <p:cNvPr id="4" name="圖片 3"/>
+          <p:cNvPicPr>
+            <a:picLocks noChangeAspect="1"/>
+          </p:cNvPicPr>
+          <p:nvPr/>
+        </p:nvPicPr>
+        <p:blipFill>
+          <a:blip r:embed="rId2"/>
+          <a:stretch>
+            <a:fillRect/>
+          </a:stretch>
+        </p:blipFill>
+        <p:spPr>
+          <a:xfrm>
+            <a:off x="2717074" y="2041658"/>
+            <a:ext cx="8519976" cy="4553996"/>
+          </a:xfrm>
+          <a:prstGeom prst="rect">
+            <a:avLst/>
+          </a:prstGeom>
+        </p:spPr>
+      </p:pic>
+      <p:sp>
+        <p:nvSpPr>
+          <p:cNvPr id="6" name="直排文字版面配置區 2"/>
+          <p:cNvSpPr txBox="1">
+            <a:spLocks/>
+          </p:cNvSpPr>
+          <p:nvPr/>
+        </p:nvSpPr>
+        <p:spPr>
+          <a:xfrm>
+            <a:off x="1232852" y="1295898"/>
+            <a:ext cx="9905999" cy="3541714"/>
+          </a:xfrm>
+          <a:prstGeom prst="rect">
+            <a:avLst/>
+          </a:prstGeom>
+        </p:spPr>
+        <p:txBody>
+          <a:bodyPr vert="horz" lIns="91440" tIns="45720" rIns="91440" bIns="45720" rtlCol="0" anchor="t">
+            <a:normAutofit/>
+          </a:bodyPr>
+          <a:lstStyle>
+            <a:lvl1pPr marL="228600" indent="-228600" algn="l" defTabSz="914400" rtl="0" eaLnBrk="1" latinLnBrk="0" hangingPunct="1">
+              <a:lnSpc>
+                <a:spcPct val="120000"/>
+              </a:lnSpc>
+              <a:spcBef>
+                <a:spcPts val="1000"/>
+              </a:spcBef>
+              <a:buSzPct val="125000"/>
+              <a:buFont typeface="Arial" panose="020B0604020202020204" pitchFamily="34" charset="0"/>
+              <a:buChar char="•"/>
+              <a:defRPr sz="2400" kern="1200">
+                <a:solidFill>
+                  <a:schemeClr val="tx1"/>
+                </a:solidFill>
+                <a:latin typeface="+mn-lt"/>
+                <a:ea typeface="+mn-ea"/>
+                <a:cs typeface="+mn-cs"/>
+              </a:defRPr>
+            </a:lvl1pPr>
+            <a:lvl2pPr marL="685800" indent="-228600" algn="l" defTabSz="914400" rtl="0" eaLnBrk="1" latinLnBrk="0" hangingPunct="1">
+              <a:lnSpc>
+                <a:spcPct val="120000"/>
+              </a:lnSpc>
+              <a:spcBef>
+                <a:spcPts val="500"/>
+              </a:spcBef>
+              <a:buSzPct val="125000"/>
+              <a:buFont typeface="Arial" panose="020B0604020202020204" pitchFamily="34" charset="0"/>
+              <a:buChar char="•"/>
+              <a:defRPr sz="2000" kern="1200">
+                <a:solidFill>
+                  <a:schemeClr val="tx1"/>
+                </a:solidFill>
+                <a:latin typeface="+mn-lt"/>
+                <a:ea typeface="+mn-ea"/>
+                <a:cs typeface="+mn-cs"/>
+              </a:defRPr>
+            </a:lvl2pPr>
+            <a:lvl3pPr marL="1143000" indent="-228600" algn="l" defTabSz="914400" rtl="0" eaLnBrk="1" latinLnBrk="0" hangingPunct="1">
+              <a:lnSpc>
+                <a:spcPct val="120000"/>
+              </a:lnSpc>
+              <a:spcBef>
+                <a:spcPts val="500"/>
+              </a:spcBef>
+              <a:buSzPct val="125000"/>
+              <a:buFont typeface="Arial" panose="020B0604020202020204" pitchFamily="34" charset="0"/>
+              <a:buChar char="•"/>
+              <a:defRPr sz="1800" kern="1200">
+                <a:solidFill>
+                  <a:schemeClr val="tx1"/>
+                </a:solidFill>
+                <a:latin typeface="+mn-lt"/>
+                <a:ea typeface="+mn-ea"/>
+                <a:cs typeface="+mn-cs"/>
+              </a:defRPr>
+            </a:lvl3pPr>
+            <a:lvl4pPr marL="1600200" indent="-228600" algn="l" defTabSz="914400" rtl="0" eaLnBrk="1" latinLnBrk="0" hangingPunct="1">
+              <a:lnSpc>
+                <a:spcPct val="120000"/>
+              </a:lnSpc>
+              <a:spcBef>
+                <a:spcPts val="500"/>
+              </a:spcBef>
+              <a:buSzPct val="125000"/>
+              <a:buFont typeface="Arial" panose="020B0604020202020204" pitchFamily="34" charset="0"/>
+              <a:buChar char="•"/>
+              <a:defRPr sz="1600" kern="1200">
+                <a:solidFill>
+                  <a:schemeClr val="tx1"/>
+                </a:solidFill>
+                <a:latin typeface="+mn-lt"/>
+                <a:ea typeface="+mn-ea"/>
+                <a:cs typeface="+mn-cs"/>
+              </a:defRPr>
+            </a:lvl4pPr>
+            <a:lvl5pPr marL="2057400" indent="-228600" algn="l" defTabSz="914400" rtl="0" eaLnBrk="1" latinLnBrk="0" hangingPunct="1">
+              <a:lnSpc>
+                <a:spcPct val="120000"/>
+              </a:lnSpc>
+              <a:spcBef>
+                <a:spcPts val="500"/>
+              </a:spcBef>
+              <a:buSzPct val="125000"/>
+              <a:buFont typeface="Arial" panose="020B0604020202020204" pitchFamily="34" charset="0"/>
+              <a:buChar char="•"/>
+              <a:defRPr sz="1600" kern="1200">
+                <a:solidFill>
+                  <a:schemeClr val="tx1"/>
+                </a:solidFill>
+                <a:latin typeface="+mn-lt"/>
+                <a:ea typeface="+mn-ea"/>
+                <a:cs typeface="+mn-cs"/>
+              </a:defRPr>
+            </a:lvl5pPr>
+            <a:lvl6pPr marL="2514600" indent="-228600" algn="l" defTabSz="914400" rtl="0" eaLnBrk="1" latinLnBrk="0" hangingPunct="1">
+              <a:lnSpc>
+                <a:spcPct val="120000"/>
+              </a:lnSpc>
+              <a:spcBef>
+                <a:spcPts val="500"/>
+              </a:spcBef>
+              <a:buSzPct val="125000"/>
+              <a:buFont typeface="Arial" panose="020B0604020202020204" pitchFamily="34" charset="0"/>
+              <a:buChar char="•"/>
+              <a:defRPr sz="1400" kern="1200">
+                <a:solidFill>
+                  <a:schemeClr val="tx1"/>
+                </a:solidFill>
+                <a:latin typeface="+mn-lt"/>
+                <a:ea typeface="+mn-ea"/>
+                <a:cs typeface="+mn-cs"/>
+              </a:defRPr>
+            </a:lvl6pPr>
+            <a:lvl7pPr marL="2971800" indent="-228600" algn="l" defTabSz="914400" rtl="0" eaLnBrk="1" latinLnBrk="0" hangingPunct="1">
+              <a:lnSpc>
+                <a:spcPct val="120000"/>
+              </a:lnSpc>
+              <a:spcBef>
+                <a:spcPts val="500"/>
+              </a:spcBef>
+              <a:buSzPct val="125000"/>
+              <a:buFont typeface="Arial" panose="020B0604020202020204" pitchFamily="34" charset="0"/>
+              <a:buChar char="•"/>
+              <a:defRPr sz="1400" kern="1200">
+                <a:solidFill>
+                  <a:schemeClr val="tx1"/>
+                </a:solidFill>
+                <a:latin typeface="+mn-lt"/>
+                <a:ea typeface="+mn-ea"/>
+                <a:cs typeface="+mn-cs"/>
+              </a:defRPr>
+            </a:lvl7pPr>
+            <a:lvl8pPr marL="3429000" indent="-228600" algn="l" defTabSz="914400" rtl="0" eaLnBrk="1" latinLnBrk="0" hangingPunct="1">
+              <a:lnSpc>
+                <a:spcPct val="120000"/>
+              </a:lnSpc>
+              <a:spcBef>
+                <a:spcPts val="500"/>
+              </a:spcBef>
+              <a:buSzPct val="125000"/>
+              <a:buFont typeface="Arial" panose="020B0604020202020204" pitchFamily="34" charset="0"/>
+              <a:buChar char="•"/>
+              <a:defRPr sz="1400" kern="1200">
+                <a:solidFill>
+                  <a:schemeClr val="tx1"/>
+                </a:solidFill>
+                <a:latin typeface="+mn-lt"/>
+                <a:ea typeface="+mn-ea"/>
+                <a:cs typeface="+mn-cs"/>
+              </a:defRPr>
+            </a:lvl8pPr>
+            <a:lvl9pPr marL="3886200" indent="-228600" algn="l" defTabSz="914400" rtl="0" eaLnBrk="1" latinLnBrk="0" hangingPunct="1">
+              <a:lnSpc>
+                <a:spcPct val="120000"/>
+              </a:lnSpc>
+              <a:spcBef>
+                <a:spcPts val="500"/>
+              </a:spcBef>
+              <a:buSzPct val="125000"/>
+              <a:buFont typeface="Arial" panose="020B0604020202020204" pitchFamily="34" charset="0"/>
+              <a:buChar char="•"/>
+              <a:defRPr sz="1400" kern="1200">
+                <a:solidFill>
+                  <a:schemeClr val="tx1"/>
+                </a:solidFill>
+                <a:latin typeface="+mn-lt"/>
+                <a:ea typeface="+mn-ea"/>
+                <a:cs typeface="+mn-cs"/>
+              </a:defRPr>
+            </a:lvl9pPr>
+          </a:lstStyle>
+          <a:p>
+            <a:r>
+              <a:rPr lang="zh-TW" altLang="en-US" dirty="0" smtClean="0"/>
+              <a:t>報名後台有防止重複報名的機制，</a:t>
+            </a:r>
+            <a:r>
+              <a:rPr lang="zh-TW" altLang="en-US" dirty="0" smtClean="0"/>
+              <a:t>是以表單上四個項目當作重複機制。</a:t>
+            </a:r>
+            <a:endParaRPr lang="en-US" altLang="zh-TW" dirty="0" smtClean="0"/>
+          </a:p>
+        </p:txBody>
+      </p:sp>
+      <p:sp>
+        <p:nvSpPr>
+          <p:cNvPr id="7" name="文字方塊 6"/>
+          <p:cNvSpPr txBox="1"/>
+          <p:nvPr/>
+        </p:nvSpPr>
+        <p:spPr>
+          <a:xfrm>
+            <a:off x="1141412" y="434062"/>
+            <a:ext cx="8415866" cy="553998"/>
+          </a:xfrm>
+          <a:prstGeom prst="rect">
+            <a:avLst/>
+          </a:prstGeom>
+          <a:noFill/>
+        </p:spPr>
+        <p:txBody>
+          <a:bodyPr wrap="square" rtlCol="0">
+            <a:spAutoFit/>
+          </a:bodyPr>
+          <a:lstStyle/>
+          <a:p>
+            <a:r>
+              <a:rPr lang="zh-TW" altLang="en-US" sz="3000" dirty="0" smtClean="0">
+                <a:latin typeface="微軟正黑體" panose="020B0604030504040204" pitchFamily="34" charset="-120"/>
+                <a:ea typeface="微軟正黑體" panose="020B0604030504040204" pitchFamily="34" charset="-120"/>
+              </a:rPr>
+              <a:t>操作說明</a:t>
+            </a:r>
+            <a:r>
+              <a:rPr lang="en-US" altLang="zh-TW" sz="3000" dirty="0" smtClean="0">
+                <a:latin typeface="微軟正黑體" panose="020B0604030504040204" pitchFamily="34" charset="-120"/>
+                <a:ea typeface="微軟正黑體" panose="020B0604030504040204" pitchFamily="34" charset="-120"/>
+              </a:rPr>
+              <a:t>-</a:t>
+            </a:r>
+            <a:r>
+              <a:rPr lang="zh-TW" altLang="en-US" sz="3000" dirty="0" smtClean="0">
+                <a:latin typeface="微軟正黑體" panose="020B0604030504040204" pitchFamily="34" charset="-120"/>
+                <a:ea typeface="微軟正黑體" panose="020B0604030504040204" pitchFamily="34" charset="-120"/>
+              </a:rPr>
+              <a:t>報名頁面</a:t>
+            </a:r>
+            <a:endParaRPr lang="zh-TW" altLang="en-US" sz="3000" dirty="0">
+              <a:latin typeface="微軟正黑體" panose="020B0604030504040204" pitchFamily="34" charset="-120"/>
+              <a:ea typeface="微軟正黑體" panose="020B0604030504040204" pitchFamily="34" charset="-120"/>
+            </a:endParaRPr>
+          </a:p>
+        </p:txBody>
+      </p:sp>
+    </p:spTree>
+    <p:extLst>
+      <p:ext uri="{BB962C8B-B14F-4D97-AF65-F5344CB8AC3E}">
+        <p14:creationId xmlns:p14="http://schemas.microsoft.com/office/powerpoint/2010/main" val="3560434819"/>
+      </p:ext>
+    </p:extLst>
+  </p:cSld>
+  <p:clrMapOvr>
+    <a:masterClrMapping/>
+  </p:clrMapOvr>
+</p:sld>
+</file>
+
+<file path=ppt/slides/slide34.xml><?xml version="1.0" encoding="utf-8"?>
+<p:sld xmlns:a="http://schemas.openxmlformats.org/drawingml/2006/main" xmlns:r="http://schemas.openxmlformats.org/officeDocument/2006/relationships" xmlns:p="http://schemas.openxmlformats.org/presentationml/2006/main">
+  <p:cSld>
     <p:bg>
       <p:bgPr>
         <a:gradFill flip="none" rotWithShape="1">
@@ -27617,7 +28721,7 @@
 </p:sld>
 </file>
 
-<file path=ppt/slides/slide31.xml><?xml version="1.0" encoding="utf-8"?>
+<file path=ppt/slides/slide35.xml><?xml version="1.0" encoding="utf-8"?>
 <p:sld xmlns:a="http://schemas.openxmlformats.org/drawingml/2006/main" xmlns:r="http://schemas.openxmlformats.org/officeDocument/2006/relationships" xmlns:p="http://schemas.openxmlformats.org/presentationml/2006/main">
   <p:cSld>
     <p:bg>
@@ -28231,7 +29335,7 @@
 </p:sld>
 </file>
 
-<file path=ppt/slides/slide32.xml><?xml version="1.0" encoding="utf-8"?>
+<file path=ppt/slides/slide36.xml><?xml version="1.0" encoding="utf-8"?>
 <p:sld xmlns:a="http://schemas.openxmlformats.org/drawingml/2006/main" xmlns:r="http://schemas.openxmlformats.org/officeDocument/2006/relationships" xmlns:p="http://schemas.openxmlformats.org/presentationml/2006/main">
   <p:cSld>
     <p:spTree>
